--- a/06_MySQL/5조_제안서/한주애.pptx
+++ b/06_MySQL/5조_제안서/한주애.pptx
@@ -3479,21 +3479,33 @@
       </p:grpSpPr>
       <p:grpSp>
         <p:nvGrpSpPr>
-          <p:cNvPr id="1001" name="그룹 1001"/>
+          <p:cNvPr id="12" name="그룹 1001">
+            <a:extLst>
+              <a:ext uri="{FF2B5EF4-FFF2-40B4-BE49-F238E27FC236}">
+                <a16:creationId xmlns:a16="http://schemas.microsoft.com/office/drawing/2014/main" id="{81AD42CE-6661-4058-8971-83FD6571135E}"/>
+              </a:ext>
+            </a:extLst>
+          </p:cNvPr>
           <p:cNvGrpSpPr/>
           <p:nvPr/>
         </p:nvGrpSpPr>
         <p:grpSpPr>
           <a:xfrm>
-            <a:off x="569237" y="891597"/>
-            <a:ext cx="17149525" cy="8692064"/>
+            <a:off x="584022" y="796825"/>
+            <a:ext cx="17061110" cy="8692064"/>
             <a:chOff x="584022" y="796825"/>
-            <a:chExt cx="17149525" cy="8692064"/>
+            <a:chExt cx="17061110" cy="8692064"/>
           </a:xfrm>
         </p:grpSpPr>
         <p:pic>
           <p:nvPicPr>
-            <p:cNvPr id="3" name="Object 2"/>
+            <p:cNvPr id="15" name="Object 2">
+              <a:extLst>
+                <a:ext uri="{FF2B5EF4-FFF2-40B4-BE49-F238E27FC236}">
+                  <a16:creationId xmlns:a16="http://schemas.microsoft.com/office/drawing/2014/main" id="{3A679034-242D-4824-AD1A-23C257C33FA2}"/>
+                </a:ext>
+              </a:extLst>
+            </p:cNvPr>
             <p:cNvPicPr>
               <a:picLocks noChangeAspect="1"/>
             </p:cNvPicPr>
@@ -3508,7 +3520,7 @@
           <p:spPr>
             <a:xfrm>
               <a:off x="584022" y="796825"/>
-              <a:ext cx="17149525" cy="8692064"/>
+              <a:ext cx="17061110" cy="8692064"/>
             </a:xfrm>
             <a:prstGeom prst="rect">
               <a:avLst/>
@@ -3981,21 +3993,33 @@
       </p:grpSpPr>
       <p:grpSp>
         <p:nvGrpSpPr>
-          <p:cNvPr id="1001" name="그룹 1001"/>
+          <p:cNvPr id="14" name="그룹 1001">
+            <a:extLst>
+              <a:ext uri="{FF2B5EF4-FFF2-40B4-BE49-F238E27FC236}">
+                <a16:creationId xmlns:a16="http://schemas.microsoft.com/office/drawing/2014/main" id="{84951B57-098F-479D-9736-189ECEE10EA5}"/>
+              </a:ext>
+            </a:extLst>
+          </p:cNvPr>
           <p:cNvGrpSpPr/>
           <p:nvPr/>
         </p:nvGrpSpPr>
         <p:grpSpPr>
           <a:xfrm>
-            <a:off x="569237" y="797468"/>
-            <a:ext cx="17149525" cy="8692064"/>
+            <a:off x="584022" y="796825"/>
+            <a:ext cx="17061110" cy="8692064"/>
             <a:chOff x="584022" y="796825"/>
-            <a:chExt cx="17149525" cy="8692064"/>
+            <a:chExt cx="17061110" cy="8692064"/>
           </a:xfrm>
         </p:grpSpPr>
         <p:pic>
           <p:nvPicPr>
-            <p:cNvPr id="3" name="Object 2"/>
+            <p:cNvPr id="17" name="Object 2">
+              <a:extLst>
+                <a:ext uri="{FF2B5EF4-FFF2-40B4-BE49-F238E27FC236}">
+                  <a16:creationId xmlns:a16="http://schemas.microsoft.com/office/drawing/2014/main" id="{4636A1CA-6362-409B-8830-954820135993}"/>
+                </a:ext>
+              </a:extLst>
+            </p:cNvPr>
             <p:cNvPicPr>
               <a:picLocks noChangeAspect="1"/>
             </p:cNvPicPr>
@@ -4010,7 +4034,7 @@
           <p:spPr>
             <a:xfrm>
               <a:off x="584022" y="796825"/>
-              <a:ext cx="17149525" cy="8692064"/>
+              <a:ext cx="17061110" cy="8692064"/>
             </a:xfrm>
             <a:prstGeom prst="rect">
               <a:avLst/>
